--- a/L01P03 - Project - Lenspomp/Smart gedeelte Lenspomp/L01P03_Smart_Lenspomp.pptx
+++ b/L01P03 - Project - Lenspomp/Smart gedeelte Lenspomp/L01P03_Smart_Lenspomp.pptx
@@ -6,18 +6,19 @@
     <p:sldMasterId id="2147483670" r:id="rId5"/>
   </p:sldMasterIdLst>
   <p:notesMasterIdLst>
-    <p:notesMasterId r:id="rId12"/>
+    <p:notesMasterId r:id="rId13"/>
   </p:notesMasterIdLst>
   <p:handoutMasterIdLst>
-    <p:handoutMasterId r:id="rId13"/>
+    <p:handoutMasterId r:id="rId14"/>
   </p:handoutMasterIdLst>
   <p:sldIdLst>
     <p:sldId id="256" r:id="rId6"/>
     <p:sldId id="390" r:id="rId7"/>
     <p:sldId id="391" r:id="rId8"/>
     <p:sldId id="388" r:id="rId9"/>
-    <p:sldId id="389" r:id="rId10"/>
-    <p:sldId id="387" r:id="rId11"/>
+    <p:sldId id="392" r:id="rId10"/>
+    <p:sldId id="389" r:id="rId11"/>
+    <p:sldId id="387" r:id="rId12"/>
   </p:sldIdLst>
   <p:sldSz cx="12192000" cy="6858000"/>
   <p:notesSz cx="6797675" cy="9926638"/>
@@ -127,6 +128,53 @@
 <file path=ppt/changesInfos/changesInfo1.xml><?xml version="1.0" encoding="utf-8"?>
 <pc:chgInfo xmlns:a="http://schemas.openxmlformats.org/drawingml/2006/main" xmlns:r="http://schemas.openxmlformats.org/officeDocument/2006/relationships" xmlns:ac="http://schemas.microsoft.com/office/drawing/2013/main/command" xmlns:pc="http://schemas.microsoft.com/office/powerpoint/2013/main/command">
   <pc:docChgLst>
+    <pc:chgData name="Arjan Kamberg" userId="2cfeac95-aab1-41a7-bca5-796b19d85bc0" providerId="ADAL" clId="{F79FAF97-4546-FA4E-8B77-E1D705A7800E}"/>
+    <pc:docChg chg="modSld">
+      <pc:chgData name="Arjan Kamberg" userId="2cfeac95-aab1-41a7-bca5-796b19d85bc0" providerId="ADAL" clId="{F79FAF97-4546-FA4E-8B77-E1D705A7800E}" dt="2021-03-25T21:17:23.177" v="4"/>
+      <pc:docMkLst>
+        <pc:docMk/>
+      </pc:docMkLst>
+      <pc:sldChg chg="addSp delSp modSp mod">
+        <pc:chgData name="Arjan Kamberg" userId="2cfeac95-aab1-41a7-bca5-796b19d85bc0" providerId="ADAL" clId="{F79FAF97-4546-FA4E-8B77-E1D705A7800E}" dt="2021-03-25T21:17:23.177" v="4"/>
+        <pc:sldMkLst>
+          <pc:docMk/>
+          <pc:sldMk cId="2141729157" sldId="360"/>
+        </pc:sldMkLst>
+        <pc:spChg chg="mod">
+          <ac:chgData name="Arjan Kamberg" userId="2cfeac95-aab1-41a7-bca5-796b19d85bc0" providerId="ADAL" clId="{F79FAF97-4546-FA4E-8B77-E1D705A7800E}" dt="2021-03-25T21:17:13.513" v="1" actId="20577"/>
+          <ac:spMkLst>
+            <pc:docMk/>
+            <pc:sldMk cId="2141729157" sldId="360"/>
+            <ac:spMk id="2" creationId="{FF96216C-A868-884D-9867-B0E0AF546CB8}"/>
+          </ac:spMkLst>
+        </pc:spChg>
+        <pc:spChg chg="add del mod">
+          <ac:chgData name="Arjan Kamberg" userId="2cfeac95-aab1-41a7-bca5-796b19d85bc0" providerId="ADAL" clId="{F79FAF97-4546-FA4E-8B77-E1D705A7800E}" dt="2021-03-25T21:17:23.177" v="4"/>
+          <ac:spMkLst>
+            <pc:docMk/>
+            <pc:sldMk cId="2141729157" sldId="360"/>
+            <ac:spMk id="4" creationId="{E3D4887B-CD36-2E4E-A77F-025BC5A699B5}"/>
+          </ac:spMkLst>
+        </pc:spChg>
+      </pc:sldChg>
+      <pc:sldChg chg="modSp mod">
+        <pc:chgData name="Arjan Kamberg" userId="2cfeac95-aab1-41a7-bca5-796b19d85bc0" providerId="ADAL" clId="{F79FAF97-4546-FA4E-8B77-E1D705A7800E}" dt="2021-03-25T21:17:17.820" v="2" actId="20577"/>
+        <pc:sldMkLst>
+          <pc:docMk/>
+          <pc:sldMk cId="3714023842" sldId="361"/>
+        </pc:sldMkLst>
+        <pc:spChg chg="mod">
+          <ac:chgData name="Arjan Kamberg" userId="2cfeac95-aab1-41a7-bca5-796b19d85bc0" providerId="ADAL" clId="{F79FAF97-4546-FA4E-8B77-E1D705A7800E}" dt="2021-03-25T21:17:17.820" v="2" actId="20577"/>
+          <ac:spMkLst>
+            <pc:docMk/>
+            <pc:sldMk cId="3714023842" sldId="361"/>
+            <ac:spMk id="2" creationId="{FF96216C-A868-884D-9867-B0E0AF546CB8}"/>
+          </ac:spMkLst>
+        </pc:spChg>
+      </pc:sldChg>
+    </pc:docChg>
+  </pc:docChgLst>
+  <pc:docChgLst>
     <pc:chgData name="Arjan Kamberg" userId="2cfeac95-aab1-41a7-bca5-796b19d85bc0" providerId="ADAL" clId="{CAC0DE05-FB81-B247-909C-B48A7A198DF2}"/>
     <pc:docChg chg="custSel delSld modSld">
       <pc:chgData name="Arjan Kamberg" userId="2cfeac95-aab1-41a7-bca5-796b19d85bc0" providerId="ADAL" clId="{CAC0DE05-FB81-B247-909C-B48A7A198DF2}" dt="2022-03-07T16:47:46.935" v="12" actId="2696"/>
@@ -231,161 +279,6 @@
           <pc:docMk/>
           <pc:sldMk cId="239890730" sldId="401"/>
         </pc:sldMkLst>
-      </pc:sldChg>
-    </pc:docChg>
-  </pc:docChgLst>
-  <pc:docChgLst>
-    <pc:chgData name="Arjan Kamberg" userId="2cfeac95-aab1-41a7-bca5-796b19d85bc0" providerId="ADAL" clId="{2608CB26-A586-434D-8C74-81B1F5B7CBD8}"/>
-    <pc:docChg chg="custSel addSld modSld">
-      <pc:chgData name="Arjan Kamberg" userId="2cfeac95-aab1-41a7-bca5-796b19d85bc0" providerId="ADAL" clId="{2608CB26-A586-434D-8C74-81B1F5B7CBD8}" dt="2023-02-06T12:41:02.862" v="50" actId="20577"/>
-      <pc:docMkLst>
-        <pc:docMk/>
-      </pc:docMkLst>
-      <pc:sldChg chg="modSp mod">
-        <pc:chgData name="Arjan Kamberg" userId="2cfeac95-aab1-41a7-bca5-796b19d85bc0" providerId="ADAL" clId="{2608CB26-A586-434D-8C74-81B1F5B7CBD8}" dt="2023-02-06T12:31:54.393" v="16" actId="20577"/>
-        <pc:sldMkLst>
-          <pc:docMk/>
-          <pc:sldMk cId="248983296" sldId="256"/>
-        </pc:sldMkLst>
-        <pc:spChg chg="mod">
-          <ac:chgData name="Arjan Kamberg" userId="2cfeac95-aab1-41a7-bca5-796b19d85bc0" providerId="ADAL" clId="{2608CB26-A586-434D-8C74-81B1F5B7CBD8}" dt="2023-02-06T12:31:54.393" v="16" actId="20577"/>
-          <ac:spMkLst>
-            <pc:docMk/>
-            <pc:sldMk cId="248983296" sldId="256"/>
-            <ac:spMk id="8" creationId="{504648F9-71D5-4088-A705-93B3953EDA91}"/>
-          </ac:spMkLst>
-        </pc:spChg>
-      </pc:sldChg>
-      <pc:sldChg chg="addSp modSp mod">
-        <pc:chgData name="Arjan Kamberg" userId="2cfeac95-aab1-41a7-bca5-796b19d85bc0" providerId="ADAL" clId="{2608CB26-A586-434D-8C74-81B1F5B7CBD8}" dt="2023-02-06T12:32:12.139" v="18" actId="1076"/>
-        <pc:sldMkLst>
-          <pc:docMk/>
-          <pc:sldMk cId="1212195962" sldId="388"/>
-        </pc:sldMkLst>
-        <pc:picChg chg="add mod">
-          <ac:chgData name="Arjan Kamberg" userId="2cfeac95-aab1-41a7-bca5-796b19d85bc0" providerId="ADAL" clId="{2608CB26-A586-434D-8C74-81B1F5B7CBD8}" dt="2023-02-06T12:32:12.139" v="18" actId="1076"/>
-          <ac:picMkLst>
-            <pc:docMk/>
-            <pc:sldMk cId="1212195962" sldId="388"/>
-            <ac:picMk id="4" creationId="{1E8E0415-5817-3FC0-6E30-BE282123D912}"/>
-          </ac:picMkLst>
-        </pc:picChg>
-      </pc:sldChg>
-      <pc:sldChg chg="addSp modSp new mod">
-        <pc:chgData name="Arjan Kamberg" userId="2cfeac95-aab1-41a7-bca5-796b19d85bc0" providerId="ADAL" clId="{2608CB26-A586-434D-8C74-81B1F5B7CBD8}" dt="2023-02-06T12:32:52.938" v="21" actId="1076"/>
-        <pc:sldMkLst>
-          <pc:docMk/>
-          <pc:sldMk cId="1089367850" sldId="389"/>
-        </pc:sldMkLst>
-        <pc:picChg chg="add mod">
-          <ac:chgData name="Arjan Kamberg" userId="2cfeac95-aab1-41a7-bca5-796b19d85bc0" providerId="ADAL" clId="{2608CB26-A586-434D-8C74-81B1F5B7CBD8}" dt="2023-02-06T12:32:52.938" v="21" actId="1076"/>
-          <ac:picMkLst>
-            <pc:docMk/>
-            <pc:sldMk cId="1089367850" sldId="389"/>
-            <ac:picMk id="4" creationId="{41EB0045-406C-27BA-4142-01BEB3301648}"/>
-          </ac:picMkLst>
-        </pc:picChg>
-      </pc:sldChg>
-      <pc:sldChg chg="addSp delSp modSp new mod">
-        <pc:chgData name="Arjan Kamberg" userId="2cfeac95-aab1-41a7-bca5-796b19d85bc0" providerId="ADAL" clId="{2608CB26-A586-434D-8C74-81B1F5B7CBD8}" dt="2023-02-06T12:40:07.640" v="37" actId="20577"/>
-        <pc:sldMkLst>
-          <pc:docMk/>
-          <pc:sldMk cId="631429249" sldId="390"/>
-        </pc:sldMkLst>
-        <pc:spChg chg="mod">
-          <ac:chgData name="Arjan Kamberg" userId="2cfeac95-aab1-41a7-bca5-796b19d85bc0" providerId="ADAL" clId="{2608CB26-A586-434D-8C74-81B1F5B7CBD8}" dt="2023-02-06T12:40:07.640" v="37" actId="20577"/>
-          <ac:spMkLst>
-            <pc:docMk/>
-            <pc:sldMk cId="631429249" sldId="390"/>
-            <ac:spMk id="2" creationId="{CE91908A-44DB-6F94-5011-4B09C76C8A3F}"/>
-          </ac:spMkLst>
-        </pc:spChg>
-        <pc:spChg chg="del">
-          <ac:chgData name="Arjan Kamberg" userId="2cfeac95-aab1-41a7-bca5-796b19d85bc0" providerId="ADAL" clId="{2608CB26-A586-434D-8C74-81B1F5B7CBD8}" dt="2023-02-06T12:40:01.283" v="25" actId="478"/>
-          <ac:spMkLst>
-            <pc:docMk/>
-            <pc:sldMk cId="631429249" sldId="390"/>
-            <ac:spMk id="3" creationId="{D7C111D0-93DC-E969-D547-1B497CAB7997}"/>
-          </ac:spMkLst>
-        </pc:spChg>
-        <pc:picChg chg="add mod">
-          <ac:chgData name="Arjan Kamberg" userId="2cfeac95-aab1-41a7-bca5-796b19d85bc0" providerId="ADAL" clId="{2608CB26-A586-434D-8C74-81B1F5B7CBD8}" dt="2023-02-06T12:39:59.408" v="24" actId="1076"/>
-          <ac:picMkLst>
-            <pc:docMk/>
-            <pc:sldMk cId="631429249" sldId="390"/>
-            <ac:picMk id="4" creationId="{4A2AE474-6C37-5B87-D5BB-7F234FF9D350}"/>
-          </ac:picMkLst>
-        </pc:picChg>
-      </pc:sldChg>
-      <pc:sldChg chg="addSp modSp new mod">
-        <pc:chgData name="Arjan Kamberg" userId="2cfeac95-aab1-41a7-bca5-796b19d85bc0" providerId="ADAL" clId="{2608CB26-A586-434D-8C74-81B1F5B7CBD8}" dt="2023-02-06T12:41:02.862" v="50" actId="20577"/>
-        <pc:sldMkLst>
-          <pc:docMk/>
-          <pc:sldMk cId="500412347" sldId="391"/>
-        </pc:sldMkLst>
-        <pc:spChg chg="mod">
-          <ac:chgData name="Arjan Kamberg" userId="2cfeac95-aab1-41a7-bca5-796b19d85bc0" providerId="ADAL" clId="{2608CB26-A586-434D-8C74-81B1F5B7CBD8}" dt="2023-02-06T12:41:02.862" v="50" actId="20577"/>
-          <ac:spMkLst>
-            <pc:docMk/>
-            <pc:sldMk cId="500412347" sldId="391"/>
-            <ac:spMk id="2" creationId="{DAD0E8F0-6CA8-FB5A-01BB-312C27E8D97A}"/>
-          </ac:spMkLst>
-        </pc:spChg>
-        <pc:picChg chg="add mod">
-          <ac:chgData name="Arjan Kamberg" userId="2cfeac95-aab1-41a7-bca5-796b19d85bc0" providerId="ADAL" clId="{2608CB26-A586-434D-8C74-81B1F5B7CBD8}" dt="2023-02-06T12:40:58.851" v="41" actId="14100"/>
-          <ac:picMkLst>
-            <pc:docMk/>
-            <pc:sldMk cId="500412347" sldId="391"/>
-            <ac:picMk id="4" creationId="{A6E84DDF-EC60-C00C-F2AA-F4BF63094A67}"/>
-          </ac:picMkLst>
-        </pc:picChg>
-      </pc:sldChg>
-    </pc:docChg>
-  </pc:docChgLst>
-  <pc:docChgLst>
-    <pc:chgData name="Arjan Kamberg" userId="2cfeac95-aab1-41a7-bca5-796b19d85bc0" providerId="ADAL" clId="{F79FAF97-4546-FA4E-8B77-E1D705A7800E}"/>
-    <pc:docChg chg="modSld">
-      <pc:chgData name="Arjan Kamberg" userId="2cfeac95-aab1-41a7-bca5-796b19d85bc0" providerId="ADAL" clId="{F79FAF97-4546-FA4E-8B77-E1D705A7800E}" dt="2021-03-25T21:17:23.177" v="4"/>
-      <pc:docMkLst>
-        <pc:docMk/>
-      </pc:docMkLst>
-      <pc:sldChg chg="addSp delSp modSp mod">
-        <pc:chgData name="Arjan Kamberg" userId="2cfeac95-aab1-41a7-bca5-796b19d85bc0" providerId="ADAL" clId="{F79FAF97-4546-FA4E-8B77-E1D705A7800E}" dt="2021-03-25T21:17:23.177" v="4"/>
-        <pc:sldMkLst>
-          <pc:docMk/>
-          <pc:sldMk cId="2141729157" sldId="360"/>
-        </pc:sldMkLst>
-        <pc:spChg chg="mod">
-          <ac:chgData name="Arjan Kamberg" userId="2cfeac95-aab1-41a7-bca5-796b19d85bc0" providerId="ADAL" clId="{F79FAF97-4546-FA4E-8B77-E1D705A7800E}" dt="2021-03-25T21:17:13.513" v="1" actId="20577"/>
-          <ac:spMkLst>
-            <pc:docMk/>
-            <pc:sldMk cId="2141729157" sldId="360"/>
-            <ac:spMk id="2" creationId="{FF96216C-A868-884D-9867-B0E0AF546CB8}"/>
-          </ac:spMkLst>
-        </pc:spChg>
-        <pc:spChg chg="add del mod">
-          <ac:chgData name="Arjan Kamberg" userId="2cfeac95-aab1-41a7-bca5-796b19d85bc0" providerId="ADAL" clId="{F79FAF97-4546-FA4E-8B77-E1D705A7800E}" dt="2021-03-25T21:17:23.177" v="4"/>
-          <ac:spMkLst>
-            <pc:docMk/>
-            <pc:sldMk cId="2141729157" sldId="360"/>
-            <ac:spMk id="4" creationId="{E3D4887B-CD36-2E4E-A77F-025BC5A699B5}"/>
-          </ac:spMkLst>
-        </pc:spChg>
-      </pc:sldChg>
-      <pc:sldChg chg="modSp mod">
-        <pc:chgData name="Arjan Kamberg" userId="2cfeac95-aab1-41a7-bca5-796b19d85bc0" providerId="ADAL" clId="{F79FAF97-4546-FA4E-8B77-E1D705A7800E}" dt="2021-03-25T21:17:17.820" v="2" actId="20577"/>
-        <pc:sldMkLst>
-          <pc:docMk/>
-          <pc:sldMk cId="3714023842" sldId="361"/>
-        </pc:sldMkLst>
-        <pc:spChg chg="mod">
-          <ac:chgData name="Arjan Kamberg" userId="2cfeac95-aab1-41a7-bca5-796b19d85bc0" providerId="ADAL" clId="{F79FAF97-4546-FA4E-8B77-E1D705A7800E}" dt="2021-03-25T21:17:17.820" v="2" actId="20577"/>
-          <ac:spMkLst>
-            <pc:docMk/>
-            <pc:sldMk cId="3714023842" sldId="361"/>
-            <ac:spMk id="2" creationId="{FF96216C-A868-884D-9867-B0E0AF546CB8}"/>
-          </ac:spMkLst>
-        </pc:spChg>
       </pc:sldChg>
     </pc:docChg>
   </pc:docChgLst>
@@ -925,6 +818,114 @@
       </pc:sldChg>
     </pc:docChg>
   </pc:docChgLst>
+  <pc:docChgLst>
+    <pc:chgData name="Arjan Kamberg" userId="2cfeac95-aab1-41a7-bca5-796b19d85bc0" providerId="ADAL" clId="{2608CB26-A586-434D-8C74-81B1F5B7CBD8}"/>
+    <pc:docChg chg="custSel addSld modSld">
+      <pc:chgData name="Arjan Kamberg" userId="2cfeac95-aab1-41a7-bca5-796b19d85bc0" providerId="ADAL" clId="{2608CB26-A586-434D-8C74-81B1F5B7CBD8}" dt="2023-02-06T12:41:02.862" v="50" actId="20577"/>
+      <pc:docMkLst>
+        <pc:docMk/>
+      </pc:docMkLst>
+      <pc:sldChg chg="modSp mod">
+        <pc:chgData name="Arjan Kamberg" userId="2cfeac95-aab1-41a7-bca5-796b19d85bc0" providerId="ADAL" clId="{2608CB26-A586-434D-8C74-81B1F5B7CBD8}" dt="2023-02-06T12:31:54.393" v="16" actId="20577"/>
+        <pc:sldMkLst>
+          <pc:docMk/>
+          <pc:sldMk cId="248983296" sldId="256"/>
+        </pc:sldMkLst>
+        <pc:spChg chg="mod">
+          <ac:chgData name="Arjan Kamberg" userId="2cfeac95-aab1-41a7-bca5-796b19d85bc0" providerId="ADAL" clId="{2608CB26-A586-434D-8C74-81B1F5B7CBD8}" dt="2023-02-06T12:31:54.393" v="16" actId="20577"/>
+          <ac:spMkLst>
+            <pc:docMk/>
+            <pc:sldMk cId="248983296" sldId="256"/>
+            <ac:spMk id="8" creationId="{504648F9-71D5-4088-A705-93B3953EDA91}"/>
+          </ac:spMkLst>
+        </pc:spChg>
+      </pc:sldChg>
+      <pc:sldChg chg="addSp modSp mod">
+        <pc:chgData name="Arjan Kamberg" userId="2cfeac95-aab1-41a7-bca5-796b19d85bc0" providerId="ADAL" clId="{2608CB26-A586-434D-8C74-81B1F5B7CBD8}" dt="2023-02-06T12:32:12.139" v="18" actId="1076"/>
+        <pc:sldMkLst>
+          <pc:docMk/>
+          <pc:sldMk cId="1212195962" sldId="388"/>
+        </pc:sldMkLst>
+        <pc:picChg chg="add mod">
+          <ac:chgData name="Arjan Kamberg" userId="2cfeac95-aab1-41a7-bca5-796b19d85bc0" providerId="ADAL" clId="{2608CB26-A586-434D-8C74-81B1F5B7CBD8}" dt="2023-02-06T12:32:12.139" v="18" actId="1076"/>
+          <ac:picMkLst>
+            <pc:docMk/>
+            <pc:sldMk cId="1212195962" sldId="388"/>
+            <ac:picMk id="4" creationId="{1E8E0415-5817-3FC0-6E30-BE282123D912}"/>
+          </ac:picMkLst>
+        </pc:picChg>
+      </pc:sldChg>
+      <pc:sldChg chg="addSp modSp new mod">
+        <pc:chgData name="Arjan Kamberg" userId="2cfeac95-aab1-41a7-bca5-796b19d85bc0" providerId="ADAL" clId="{2608CB26-A586-434D-8C74-81B1F5B7CBD8}" dt="2023-02-06T12:32:52.938" v="21" actId="1076"/>
+        <pc:sldMkLst>
+          <pc:docMk/>
+          <pc:sldMk cId="1089367850" sldId="389"/>
+        </pc:sldMkLst>
+        <pc:picChg chg="add mod">
+          <ac:chgData name="Arjan Kamberg" userId="2cfeac95-aab1-41a7-bca5-796b19d85bc0" providerId="ADAL" clId="{2608CB26-A586-434D-8C74-81B1F5B7CBD8}" dt="2023-02-06T12:32:52.938" v="21" actId="1076"/>
+          <ac:picMkLst>
+            <pc:docMk/>
+            <pc:sldMk cId="1089367850" sldId="389"/>
+            <ac:picMk id="4" creationId="{41EB0045-406C-27BA-4142-01BEB3301648}"/>
+          </ac:picMkLst>
+        </pc:picChg>
+      </pc:sldChg>
+      <pc:sldChg chg="addSp delSp modSp new mod">
+        <pc:chgData name="Arjan Kamberg" userId="2cfeac95-aab1-41a7-bca5-796b19d85bc0" providerId="ADAL" clId="{2608CB26-A586-434D-8C74-81B1F5B7CBD8}" dt="2023-02-06T12:40:07.640" v="37" actId="20577"/>
+        <pc:sldMkLst>
+          <pc:docMk/>
+          <pc:sldMk cId="631429249" sldId="390"/>
+        </pc:sldMkLst>
+        <pc:spChg chg="mod">
+          <ac:chgData name="Arjan Kamberg" userId="2cfeac95-aab1-41a7-bca5-796b19d85bc0" providerId="ADAL" clId="{2608CB26-A586-434D-8C74-81B1F5B7CBD8}" dt="2023-02-06T12:40:07.640" v="37" actId="20577"/>
+          <ac:spMkLst>
+            <pc:docMk/>
+            <pc:sldMk cId="631429249" sldId="390"/>
+            <ac:spMk id="2" creationId="{CE91908A-44DB-6F94-5011-4B09C76C8A3F}"/>
+          </ac:spMkLst>
+        </pc:spChg>
+        <pc:spChg chg="del">
+          <ac:chgData name="Arjan Kamberg" userId="2cfeac95-aab1-41a7-bca5-796b19d85bc0" providerId="ADAL" clId="{2608CB26-A586-434D-8C74-81B1F5B7CBD8}" dt="2023-02-06T12:40:01.283" v="25" actId="478"/>
+          <ac:spMkLst>
+            <pc:docMk/>
+            <pc:sldMk cId="631429249" sldId="390"/>
+            <ac:spMk id="3" creationId="{D7C111D0-93DC-E969-D547-1B497CAB7997}"/>
+          </ac:spMkLst>
+        </pc:spChg>
+        <pc:picChg chg="add mod">
+          <ac:chgData name="Arjan Kamberg" userId="2cfeac95-aab1-41a7-bca5-796b19d85bc0" providerId="ADAL" clId="{2608CB26-A586-434D-8C74-81B1F5B7CBD8}" dt="2023-02-06T12:39:59.408" v="24" actId="1076"/>
+          <ac:picMkLst>
+            <pc:docMk/>
+            <pc:sldMk cId="631429249" sldId="390"/>
+            <ac:picMk id="4" creationId="{4A2AE474-6C37-5B87-D5BB-7F234FF9D350}"/>
+          </ac:picMkLst>
+        </pc:picChg>
+      </pc:sldChg>
+      <pc:sldChg chg="addSp modSp new mod">
+        <pc:chgData name="Arjan Kamberg" userId="2cfeac95-aab1-41a7-bca5-796b19d85bc0" providerId="ADAL" clId="{2608CB26-A586-434D-8C74-81B1F5B7CBD8}" dt="2023-02-06T12:41:02.862" v="50" actId="20577"/>
+        <pc:sldMkLst>
+          <pc:docMk/>
+          <pc:sldMk cId="500412347" sldId="391"/>
+        </pc:sldMkLst>
+        <pc:spChg chg="mod">
+          <ac:chgData name="Arjan Kamberg" userId="2cfeac95-aab1-41a7-bca5-796b19d85bc0" providerId="ADAL" clId="{2608CB26-A586-434D-8C74-81B1F5B7CBD8}" dt="2023-02-06T12:41:02.862" v="50" actId="20577"/>
+          <ac:spMkLst>
+            <pc:docMk/>
+            <pc:sldMk cId="500412347" sldId="391"/>
+            <ac:spMk id="2" creationId="{DAD0E8F0-6CA8-FB5A-01BB-312C27E8D97A}"/>
+          </ac:spMkLst>
+        </pc:spChg>
+        <pc:picChg chg="add mod">
+          <ac:chgData name="Arjan Kamberg" userId="2cfeac95-aab1-41a7-bca5-796b19d85bc0" providerId="ADAL" clId="{2608CB26-A586-434D-8C74-81B1F5B7CBD8}" dt="2023-02-06T12:40:58.851" v="41" actId="14100"/>
+          <ac:picMkLst>
+            <pc:docMk/>
+            <pc:sldMk cId="500412347" sldId="391"/>
+            <ac:picMk id="4" creationId="{A6E84DDF-EC60-C00C-F2AA-F4BF63094A67}"/>
+          </ac:picMkLst>
+        </pc:picChg>
+      </pc:sldChg>
+    </pc:docChg>
+  </pc:docChgLst>
 </pc:chgInfo>
 </file>
 
@@ -1010,7 +1011,7 @@
           <a:p>
             <a:fld id="{25ED37B6-3D2B-42F6-B75F-7E9C925A2B78}" type="datetimeFigureOut">
               <a:rPr lang="nl-NL" smtClean="0"/>
-              <a:t>06-02-2023</a:t>
+              <a:t>25-03-2024</a:t>
             </a:fld>
             <a:endParaRPr lang="nl-NL"/>
           </a:p>
@@ -1175,7 +1176,7 @@
           <a:p>
             <a:fld id="{67D95C54-6F9B-4C49-BF56-4D62B2D71ED9}" type="datetimeFigureOut">
               <a:rPr lang="nl-NL" smtClean="0"/>
-              <a:t>06-02-2023</a:t>
+              <a:t>25-03-2024</a:t>
             </a:fld>
             <a:endParaRPr lang="nl-NL"/>
           </a:p>
@@ -5853,6 +5854,488 @@
 <file path=ppt/slides/slide5.xml><?xml version="1.0" encoding="utf-8"?>
 <p:sld xmlns:a="http://schemas.openxmlformats.org/drawingml/2006/main" xmlns:r="http://schemas.openxmlformats.org/officeDocument/2006/relationships" xmlns:p="http://schemas.openxmlformats.org/presentationml/2006/main">
   <p:cSld>
+    <p:bg>
+      <p:bgPr>
+        <a:solidFill>
+          <a:schemeClr val="bg1"/>
+        </a:solidFill>
+        <a:effectLst/>
+      </p:bgPr>
+    </p:bg>
+    <p:spTree>
+      <p:nvGrpSpPr>
+        <p:cNvPr id="1" name=""/>
+        <p:cNvGrpSpPr/>
+        <p:nvPr/>
+      </p:nvGrpSpPr>
+      <p:grpSpPr>
+        <a:xfrm>
+          <a:off x="0" y="0"/>
+          <a:ext cx="0" cy="0"/>
+          <a:chOff x="0" y="0"/>
+          <a:chExt cx="0" cy="0"/>
+        </a:xfrm>
+      </p:grpSpPr>
+      <p:sp useBgFill="1">
+        <p:nvSpPr>
+          <p:cNvPr id="25" name="Rectangle 24">
+            <a:extLst>
+              <a:ext uri="{FF2B5EF4-FFF2-40B4-BE49-F238E27FC236}">
+                <a16:creationId xmlns:a16="http://schemas.microsoft.com/office/drawing/2014/main" id="{38468727-63BE-4191-B4A6-C30C82C0E986}"/>
+              </a:ext>
+              <a:ext uri="{C183D7F6-B498-43B3-948B-1728B52AA6E4}">
+                <adec:decorative xmlns:adec="http://schemas.microsoft.com/office/drawing/2017/decorative" val="1"/>
+              </a:ext>
+            </a:extLst>
+          </p:cNvPr>
+          <p:cNvSpPr>
+            <a:spLocks noGrp="1" noRot="1" noChangeAspect="1" noMove="1" noResize="1" noEditPoints="1" noAdjustHandles="1" noChangeArrowheads="1" noChangeShapeType="1" noTextEdit="1"/>
+          </p:cNvSpPr>
+          <p:nvPr>
+            <p:extLst>
+              <p:ext uri="{386F3935-93C4-4BCD-93E2-E3B085C9AB24}">
+                <p16:designElem xmlns:p16="http://schemas.microsoft.com/office/powerpoint/2015/main" val="1"/>
+              </p:ext>
+            </p:extLst>
+          </p:nvPr>
+        </p:nvSpPr>
+        <p:spPr>
+          <a:xfrm>
+            <a:off x="0" y="0"/>
+            <a:ext cx="12192000" cy="6858000"/>
+          </a:xfrm>
+          <a:prstGeom prst="rect">
+            <a:avLst/>
+          </a:prstGeom>
+          <a:ln>
+            <a:noFill/>
+          </a:ln>
+        </p:spPr>
+        <p:style>
+          <a:lnRef idx="2">
+            <a:schemeClr val="accent1">
+              <a:shade val="50000"/>
+            </a:schemeClr>
+          </a:lnRef>
+          <a:fillRef idx="1">
+            <a:schemeClr val="accent1"/>
+          </a:fillRef>
+          <a:effectRef idx="0">
+            <a:schemeClr val="accent1"/>
+          </a:effectRef>
+          <a:fontRef idx="minor">
+            <a:schemeClr val="lt1"/>
+          </a:fontRef>
+        </p:style>
+        <p:txBody>
+          <a:bodyPr rtlCol="0" anchor="ctr"/>
+          <a:lstStyle/>
+          <a:p>
+            <a:pPr algn="ctr"/>
+            <a:endParaRPr lang="en-US"/>
+          </a:p>
+        </p:txBody>
+      </p:sp>
+      <p:sp>
+        <p:nvSpPr>
+          <p:cNvPr id="2" name="Title 1">
+            <a:extLst>
+              <a:ext uri="{FF2B5EF4-FFF2-40B4-BE49-F238E27FC236}">
+                <a16:creationId xmlns:a16="http://schemas.microsoft.com/office/drawing/2014/main" id="{EB5A6053-62EC-9429-C27D-BA74191660B1}"/>
+              </a:ext>
+            </a:extLst>
+          </p:cNvPr>
+          <p:cNvSpPr>
+            <a:spLocks noGrp="1"/>
+          </p:cNvSpPr>
+          <p:nvPr>
+            <p:ph type="title"/>
+          </p:nvPr>
+        </p:nvSpPr>
+        <p:spPr>
+          <a:xfrm>
+            <a:off x="457201" y="412454"/>
+            <a:ext cx="2381250" cy="2101850"/>
+          </a:xfrm>
+        </p:spPr>
+        <p:txBody>
+          <a:bodyPr vert="horz" lIns="91440" tIns="45720" rIns="91440" bIns="45720" rtlCol="0" anchor="ctr">
+            <a:normAutofit/>
+          </a:bodyPr>
+          <a:lstStyle/>
+          <a:p>
+            <a:r>
+              <a:rPr lang="en-US" sz="2800" kern="1200">
+                <a:solidFill>
+                  <a:schemeClr val="tx1"/>
+                </a:solidFill>
+                <a:latin typeface="+mj-lt"/>
+                <a:ea typeface="+mj-ea"/>
+                <a:cs typeface="+mj-cs"/>
+              </a:rPr>
+              <a:t>Aansluiten</a:t>
+            </a:r>
+          </a:p>
+        </p:txBody>
+      </p:sp>
+      <p:sp>
+        <p:nvSpPr>
+          <p:cNvPr id="24" name="Rectangle 23">
+            <a:extLst>
+              <a:ext uri="{FF2B5EF4-FFF2-40B4-BE49-F238E27FC236}">
+                <a16:creationId xmlns:a16="http://schemas.microsoft.com/office/drawing/2014/main" id="{9D355BB6-1BB8-4828-B246-CFB31742D7B8}"/>
+              </a:ext>
+              <a:ext uri="{C183D7F6-B498-43B3-948B-1728B52AA6E4}">
+                <adec:decorative xmlns:adec="http://schemas.microsoft.com/office/drawing/2017/decorative" val="1"/>
+              </a:ext>
+            </a:extLst>
+          </p:cNvPr>
+          <p:cNvSpPr>
+            <a:spLocks noGrp="1" noRot="1" noChangeAspect="1" noMove="1" noResize="1" noEditPoints="1" noAdjustHandles="1" noChangeArrowheads="1" noChangeShapeType="1" noTextEdit="1"/>
+          </p:cNvSpPr>
+          <p:nvPr>
+            <p:extLst>
+              <p:ext uri="{386F3935-93C4-4BCD-93E2-E3B085C9AB24}">
+                <p16:designElem xmlns:p16="http://schemas.microsoft.com/office/powerpoint/2015/main" val="1"/>
+              </p:ext>
+            </p:extLst>
+          </p:nvPr>
+        </p:nvSpPr>
+        <p:spPr>
+          <a:xfrm>
+            <a:off x="0" y="1134839"/>
+            <a:ext cx="128016" cy="653903"/>
+          </a:xfrm>
+          <a:prstGeom prst="rect">
+            <a:avLst/>
+          </a:prstGeom>
+          <a:solidFill>
+            <a:schemeClr val="accent2"/>
+          </a:solidFill>
+          <a:ln>
+            <a:noFill/>
+          </a:ln>
+        </p:spPr>
+        <p:style>
+          <a:lnRef idx="2">
+            <a:schemeClr val="accent1">
+              <a:shade val="50000"/>
+            </a:schemeClr>
+          </a:lnRef>
+          <a:fillRef idx="1">
+            <a:schemeClr val="accent1"/>
+          </a:fillRef>
+          <a:effectRef idx="0">
+            <a:schemeClr val="accent1"/>
+          </a:effectRef>
+          <a:fontRef idx="minor">
+            <a:schemeClr val="lt1"/>
+          </a:fontRef>
+        </p:style>
+        <p:txBody>
+          <a:bodyPr rtlCol="0" anchor="ctr"/>
+          <a:lstStyle/>
+          <a:p>
+            <a:pPr algn="ctr"/>
+            <a:endParaRPr lang="en-US">
+              <a:solidFill>
+                <a:prstClr val="white"/>
+              </a:solidFill>
+              <a:latin typeface="Calibri" panose="020F0502020204030204"/>
+            </a:endParaRPr>
+          </a:p>
+        </p:txBody>
+      </p:sp>
+      <p:sp>
+        <p:nvSpPr>
+          <p:cNvPr id="26" name="Rectangle 25">
+            <a:extLst>
+              <a:ext uri="{FF2B5EF4-FFF2-40B4-BE49-F238E27FC236}">
+                <a16:creationId xmlns:a16="http://schemas.microsoft.com/office/drawing/2014/main" id="{CA52A9B9-B2B3-46F0-9D53-0EFF9905BF8F}"/>
+              </a:ext>
+              <a:ext uri="{C183D7F6-B498-43B3-948B-1728B52AA6E4}">
+                <adec:decorative xmlns:adec="http://schemas.microsoft.com/office/drawing/2017/decorative" val="1"/>
+              </a:ext>
+            </a:extLst>
+          </p:cNvPr>
+          <p:cNvSpPr>
+            <a:spLocks noGrp="1" noRot="1" noChangeAspect="1" noMove="1" noResize="1" noEditPoints="1" noAdjustHandles="1" noChangeArrowheads="1" noChangeShapeType="1" noTextEdit="1"/>
+          </p:cNvSpPr>
+          <p:nvPr>
+            <p:extLst>
+              <p:ext uri="{386F3935-93C4-4BCD-93E2-E3B085C9AB24}">
+                <p16:designElem xmlns:p16="http://schemas.microsoft.com/office/powerpoint/2015/main" val="1"/>
+              </p:ext>
+            </p:extLst>
+          </p:nvPr>
+        </p:nvSpPr>
+        <p:spPr>
+          <a:xfrm rot="5400000">
+            <a:off x="2245238" y="1452646"/>
+            <a:ext cx="1463040" cy="18288"/>
+          </a:xfrm>
+          <a:prstGeom prst="rect">
+            <a:avLst/>
+          </a:prstGeom>
+          <a:solidFill>
+            <a:srgbClr val="D5D5D5"/>
+          </a:solidFill>
+          <a:ln w="3175">
+            <a:noFill/>
+          </a:ln>
+          <a:effectLst/>
+        </p:spPr>
+        <p:style>
+          <a:lnRef idx="2">
+            <a:schemeClr val="accent1">
+              <a:shade val="50000"/>
+            </a:schemeClr>
+          </a:lnRef>
+          <a:fillRef idx="1">
+            <a:schemeClr val="accent1"/>
+          </a:fillRef>
+          <a:effectRef idx="0">
+            <a:schemeClr val="accent1"/>
+          </a:effectRef>
+          <a:fontRef idx="minor">
+            <a:schemeClr val="lt1"/>
+          </a:fontRef>
+        </p:style>
+        <p:txBody>
+          <a:bodyPr rtlCol="0" anchor="ctr"/>
+          <a:lstStyle/>
+          <a:p>
+            <a:pPr marL="0" marR="0" lvl="0" indent="0" algn="ctr" defTabSz="914400" rtl="0" eaLnBrk="1" fontAlgn="auto" latinLnBrk="0" hangingPunct="1">
+              <a:lnSpc>
+                <a:spcPct val="100000"/>
+              </a:lnSpc>
+              <a:spcBef>
+                <a:spcPts val="0"/>
+              </a:spcBef>
+              <a:spcAft>
+                <a:spcPts val="0"/>
+              </a:spcAft>
+              <a:buClrTx/>
+              <a:buSzTx/>
+              <a:buFontTx/>
+              <a:buNone/>
+              <a:tabLst/>
+              <a:defRPr/>
+            </a:pPr>
+            <a:endParaRPr kumimoji="0" lang="en-US" sz="1800" b="0" i="0" u="none" strike="noStrike" kern="1200" cap="none" spc="0" normalizeH="0" baseline="0" noProof="0">
+              <a:ln>
+                <a:noFill/>
+              </a:ln>
+              <a:solidFill>
+                <a:prstClr val="white"/>
+              </a:solidFill>
+              <a:effectLst/>
+              <a:uLnTx/>
+              <a:uFillTx/>
+              <a:latin typeface="Calibri" panose="020F0502020204030204"/>
+              <a:ea typeface="+mn-ea"/>
+              <a:cs typeface="+mn-cs"/>
+            </a:endParaRPr>
+          </a:p>
+        </p:txBody>
+      </p:sp>
+      <p:sp>
+        <p:nvSpPr>
+          <p:cNvPr id="6" name="TextBox 5">
+            <a:extLst>
+              <a:ext uri="{FF2B5EF4-FFF2-40B4-BE49-F238E27FC236}">
+                <a16:creationId xmlns:a16="http://schemas.microsoft.com/office/drawing/2014/main" id="{6AA13654-0AE7-E3F8-5C6A-C97B5D93A4A7}"/>
+              </a:ext>
+            </a:extLst>
+          </p:cNvPr>
+          <p:cNvSpPr txBox="1"/>
+          <p:nvPr/>
+        </p:nvSpPr>
+        <p:spPr>
+          <a:xfrm>
+            <a:off x="3157538" y="412454"/>
+            <a:ext cx="3243262" cy="2101850"/>
+          </a:xfrm>
+          <a:prstGeom prst="rect">
+            <a:avLst/>
+          </a:prstGeom>
+        </p:spPr>
+        <p:txBody>
+          <a:bodyPr vert="horz" lIns="91440" tIns="45720" rIns="91440" bIns="45720" rtlCol="0" anchor="ctr">
+            <a:normAutofit/>
+          </a:bodyPr>
+          <a:lstStyle/>
+          <a:p>
+            <a:pPr indent="-228600">
+              <a:lnSpc>
+                <a:spcPct val="90000"/>
+              </a:lnSpc>
+              <a:spcAft>
+                <a:spcPts val="600"/>
+              </a:spcAft>
+              <a:buFont typeface="Arial" panose="020B0604020202020204" pitchFamily="34" charset="0"/>
+              <a:buChar char="•"/>
+            </a:pPr>
+            <a:r>
+              <a:rPr lang="en-US" sz="1700"/>
+              <a:t>BR = Bruin - +m 5 V</a:t>
+            </a:r>
+          </a:p>
+          <a:p>
+            <a:pPr indent="-228600">
+              <a:lnSpc>
+                <a:spcPct val="90000"/>
+              </a:lnSpc>
+              <a:spcAft>
+                <a:spcPts val="600"/>
+              </a:spcAft>
+              <a:buFont typeface="Arial" panose="020B0604020202020204" pitchFamily="34" charset="0"/>
+              <a:buChar char="•"/>
+            </a:pPr>
+            <a:r>
+              <a:rPr lang="en-US" sz="1700"/>
+              <a:t>BU - Blauw  GND</a:t>
+            </a:r>
+          </a:p>
+          <a:p>
+            <a:pPr indent="-228600">
+              <a:lnSpc>
+                <a:spcPct val="90000"/>
+              </a:lnSpc>
+              <a:spcAft>
+                <a:spcPts val="600"/>
+              </a:spcAft>
+              <a:buFont typeface="Arial" panose="020B0604020202020204" pitchFamily="34" charset="0"/>
+              <a:buChar char="•"/>
+            </a:pPr>
+            <a:r>
+              <a:rPr lang="en-US" sz="1700"/>
+              <a:t>BK - Zwart   Signaal (dus naar een ingangspoort)</a:t>
+            </a:r>
+            <a:endParaRPr lang="en-US" sz="1700" dirty="0"/>
+          </a:p>
+        </p:txBody>
+      </p:sp>
+      <p:pic>
+        <p:nvPicPr>
+          <p:cNvPr id="5" name="Content Placeholder 4" descr="A close up of a tube&#10;&#10;Description automatically generated">
+            <a:extLst>
+              <a:ext uri="{FF2B5EF4-FFF2-40B4-BE49-F238E27FC236}">
+                <a16:creationId xmlns:a16="http://schemas.microsoft.com/office/drawing/2014/main" id="{6E11285B-F77F-D630-534B-3F3D2E101AAD}"/>
+              </a:ext>
+            </a:extLst>
+          </p:cNvPr>
+          <p:cNvPicPr>
+            <a:picLocks noGrp="1" noChangeAspect="1"/>
+          </p:cNvPicPr>
+          <p:nvPr>
+            <p:ph sz="half" idx="2"/>
+          </p:nvPr>
+        </p:nvPicPr>
+        <p:blipFill rotWithShape="1">
+          <a:blip r:embed="rId2">
+            <a:extLst>
+              <a:ext uri="{28A0092B-C50C-407E-A947-70E740481C1C}">
+                <a14:useLocalDpi xmlns:a14="http://schemas.microsoft.com/office/drawing/2010/main" val="0"/>
+              </a:ext>
+            </a:extLst>
+          </a:blip>
+          <a:srcRect r="-1" b="7642"/>
+          <a:stretch/>
+        </p:blipFill>
+        <p:spPr>
+          <a:xfrm rot="16200000">
+            <a:off x="1251215" y="1708414"/>
+            <a:ext cx="3898370" cy="6400801"/>
+          </a:xfrm>
+          <a:prstGeom prst="rect">
+            <a:avLst/>
+          </a:prstGeom>
+        </p:spPr>
+      </p:pic>
+      <p:pic>
+        <p:nvPicPr>
+          <p:cNvPr id="10" name="Picture 9" descr="A close up of a device&#10;&#10;Description automatically generated">
+            <a:extLst>
+              <a:ext uri="{FF2B5EF4-FFF2-40B4-BE49-F238E27FC236}">
+                <a16:creationId xmlns:a16="http://schemas.microsoft.com/office/drawing/2014/main" id="{6E86A05F-FD1D-9B19-D72D-243DDE6A025E}"/>
+              </a:ext>
+            </a:extLst>
+          </p:cNvPr>
+          <p:cNvPicPr>
+            <a:picLocks noChangeAspect="1"/>
+          </p:cNvPicPr>
+          <p:nvPr/>
+        </p:nvPicPr>
+        <p:blipFill rotWithShape="1">
+          <a:blip r:embed="rId3">
+            <a:extLst>
+              <a:ext uri="{28A0092B-C50C-407E-A947-70E740481C1C}">
+                <a14:useLocalDpi xmlns:a14="http://schemas.microsoft.com/office/drawing/2010/main" val="0"/>
+              </a:ext>
+            </a:extLst>
+          </a:blip>
+          <a:srcRect t="22666" b="8456"/>
+          <a:stretch/>
+        </p:blipFill>
+        <p:spPr>
+          <a:xfrm>
+            <a:off x="6591299" y="1"/>
+            <a:ext cx="5600701" cy="6857999"/>
+          </a:xfrm>
+          <a:prstGeom prst="rect">
+            <a:avLst/>
+          </a:prstGeom>
+        </p:spPr>
+      </p:pic>
+      <p:sp>
+        <p:nvSpPr>
+          <p:cNvPr id="8" name="TextBox 7">
+            <a:extLst>
+              <a:ext uri="{FF2B5EF4-FFF2-40B4-BE49-F238E27FC236}">
+                <a16:creationId xmlns:a16="http://schemas.microsoft.com/office/drawing/2014/main" id="{55CF03B4-AD6A-731A-FB0C-81CA846A9F17}"/>
+              </a:ext>
+            </a:extLst>
+          </p:cNvPr>
+          <p:cNvSpPr txBox="1"/>
+          <p:nvPr/>
+        </p:nvSpPr>
+        <p:spPr>
+          <a:xfrm>
+            <a:off x="704850" y="762000"/>
+            <a:ext cx="184731" cy="369332"/>
+          </a:xfrm>
+          <a:prstGeom prst="rect">
+            <a:avLst/>
+          </a:prstGeom>
+          <a:noFill/>
+        </p:spPr>
+        <p:txBody>
+          <a:bodyPr wrap="square" rtlCol="0">
+            <a:spAutoFit/>
+          </a:bodyPr>
+          <a:lstStyle/>
+          <a:p>
+            <a:endParaRPr lang="nl-NL" dirty="0"/>
+          </a:p>
+        </p:txBody>
+      </p:sp>
+    </p:spTree>
+    <p:extLst>
+      <p:ext uri="{BB962C8B-B14F-4D97-AF65-F5344CB8AC3E}">
+        <p14:creationId xmlns:p14="http://schemas.microsoft.com/office/powerpoint/2010/main" val="792807074"/>
+      </p:ext>
+    </p:extLst>
+  </p:cSld>
+  <p:clrMapOvr>
+    <a:masterClrMapping/>
+  </p:clrMapOvr>
+</p:sld>
+</file>
+
+<file path=ppt/slides/slide6.xml><?xml version="1.0" encoding="utf-8"?>
+<p:sld xmlns:a="http://schemas.openxmlformats.org/drawingml/2006/main" xmlns:r="http://schemas.openxmlformats.org/officeDocument/2006/relationships" xmlns:p="http://schemas.openxmlformats.org/presentationml/2006/main">
+  <p:cSld>
     <p:spTree>
       <p:nvGrpSpPr>
         <p:cNvPr id="1" name=""/>
@@ -5960,7 +6443,7 @@
 </p:sld>
 </file>
 
-<file path=ppt/slides/slide6.xml><?xml version="1.0" encoding="utf-8"?>
+<file path=ppt/slides/slide7.xml><?xml version="1.0" encoding="utf-8"?>
 <p:sld xmlns:a="http://schemas.openxmlformats.org/drawingml/2006/main" xmlns:r="http://schemas.openxmlformats.org/officeDocument/2006/relationships" xmlns:p="http://schemas.openxmlformats.org/presentationml/2006/main">
   <p:cSld>
     <p:spTree>
@@ -7160,12 +7643,6 @@
 </file>
 
 <file path=customXml/item1.xml><?xml version="1.0" encoding="utf-8"?>
-<p:properties xmlns:p="http://schemas.microsoft.com/office/2006/metadata/properties" xmlns:xsi="http://www.w3.org/2001/XMLSchema-instance" xmlns:pc="http://schemas.microsoft.com/office/infopath/2007/PartnerControls">
-  <documentManagement/>
-</p:properties>
-</file>
-
-<file path=customXml/item2.xml><?xml version="1.0" encoding="utf-8"?>
 <ct:contentTypeSchema xmlns:ct="http://schemas.microsoft.com/office/2006/metadata/contentType" xmlns:ma="http://schemas.microsoft.com/office/2006/metadata/properties/metaAttributes" ct:_="" ma:_="" ma:contentTypeName="Document" ma:contentTypeID="0x0101004EE29C275B0330428D2BFA2C8D576F4B" ma:contentTypeVersion="0" ma:contentTypeDescription="Een nieuw document maken." ma:contentTypeScope="" ma:versionID="6f3e0ea117c09d99e40ae3b100a299dc">
   <xsd:schema xmlns:xsd="http://www.w3.org/2001/XMLSchema" xmlns:xs="http://www.w3.org/2001/XMLSchema" xmlns:p="http://schemas.microsoft.com/office/2006/metadata/properties" targetNamespace="http://schemas.microsoft.com/office/2006/metadata/properties" ma:root="true" ma:fieldsID="1978a156f712f99d6452530788f7ffe9">
     <xsd:element name="properties">
@@ -7279,6 +7756,12 @@
 </ct:contentTypeSchema>
 </file>
 
+<file path=customXml/item2.xml><?xml version="1.0" encoding="utf-8"?>
+<p:properties xmlns:p="http://schemas.microsoft.com/office/2006/metadata/properties" xmlns:xsi="http://www.w3.org/2001/XMLSchema-instance" xmlns:pc="http://schemas.microsoft.com/office/infopath/2007/PartnerControls">
+  <documentManagement/>
+</p:properties>
+</file>
+
 <file path=customXml/item3.xml><?xml version="1.0" encoding="utf-8"?>
 <?mso-contentType ?>
 <FormTemplates xmlns="http://schemas.microsoft.com/sharepoint/v3/contenttype/forms">
@@ -7289,21 +7772,6 @@
 </file>
 
 <file path=customXml/itemProps1.xml><?xml version="1.0" encoding="utf-8"?>
-<ds:datastoreItem xmlns:ds="http://schemas.openxmlformats.org/officeDocument/2006/customXml" ds:itemID="{A03AAC8F-903D-4F48-B309-C4EB3B4EEDDC}">
-  <ds:schemaRefs>
-    <ds:schemaRef ds:uri="http://schemas.microsoft.com/office/infopath/2007/PartnerControls"/>
-    <ds:schemaRef ds:uri="http://schemas.microsoft.com/office/2006/documentManagement/types"/>
-    <ds:schemaRef ds:uri="http://schemas.microsoft.com/office/2006/metadata/properties"/>
-    <ds:schemaRef ds:uri="http://purl.org/dc/terms/"/>
-    <ds:schemaRef ds:uri="http://purl.org/dc/dcmitype/"/>
-    <ds:schemaRef ds:uri="http://purl.org/dc/elements/1.1/"/>
-    <ds:schemaRef ds:uri="http://schemas.openxmlformats.org/package/2006/metadata/core-properties"/>
-    <ds:schemaRef ds:uri="http://www.w3.org/XML/1998/namespace"/>
-  </ds:schemaRefs>
-</ds:datastoreItem>
-</file>
-
-<file path=customXml/itemProps2.xml><?xml version="1.0" encoding="utf-8"?>
 <ds:datastoreItem xmlns:ds="http://schemas.openxmlformats.org/officeDocument/2006/customXml" ds:itemID="{7C812B3D-632E-45B1-BE3D-5F5FC6F96A1A}">
   <ds:schemaRefs>
     <ds:schemaRef ds:uri="http://schemas.microsoft.com/office/2006/metadata/contentType"/>
@@ -7319,6 +7787,21 @@
 </ds:datastoreItem>
 </file>
 
+<file path=customXml/itemProps2.xml><?xml version="1.0" encoding="utf-8"?>
+<ds:datastoreItem xmlns:ds="http://schemas.openxmlformats.org/officeDocument/2006/customXml" ds:itemID="{A03AAC8F-903D-4F48-B309-C4EB3B4EEDDC}">
+  <ds:schemaRefs>
+    <ds:schemaRef ds:uri="http://schemas.microsoft.com/office/infopath/2007/PartnerControls"/>
+    <ds:schemaRef ds:uri="http://schemas.microsoft.com/office/2006/documentManagement/types"/>
+    <ds:schemaRef ds:uri="http://schemas.microsoft.com/office/2006/metadata/properties"/>
+    <ds:schemaRef ds:uri="http://purl.org/dc/terms/"/>
+    <ds:schemaRef ds:uri="http://purl.org/dc/dcmitype/"/>
+    <ds:schemaRef ds:uri="http://purl.org/dc/elements/1.1/"/>
+    <ds:schemaRef ds:uri="http://schemas.openxmlformats.org/package/2006/metadata/core-properties"/>
+    <ds:schemaRef ds:uri="http://www.w3.org/XML/1998/namespace"/>
+  </ds:schemaRefs>
+</ds:datastoreItem>
+</file>
+
 <file path=customXml/itemProps3.xml><?xml version="1.0" encoding="utf-8"?>
 <ds:datastoreItem xmlns:ds="http://schemas.openxmlformats.org/officeDocument/2006/customXml" ds:itemID="{C58370CC-8AF3-4E85-911D-3C7AD1FAAE10}">
   <ds:schemaRefs>
